--- a/ppt 16-9/1261.主日圣经学校.pptx
+++ b/ppt 16-9/1261.主日圣经学校.pptx
@@ -5,7 +5,7 @@
     <p:sldMasterId id="2147483648" r:id="rId1"/>
   </p:sldMasterIdLst>
   <p:sldIdLst>
-    <p:sldId id="810" r:id="rId2"/>
+    <p:sldId id="811" r:id="rId2"/>
   </p:sldIdLst>
   <p:sldSz cx="12192000" cy="6858000"/>
   <p:notesSz cx="6858000" cy="9144000"/>
@@ -129,7 +129,7 @@
           <p:cNvPr id="2" name="标题 1">
             <a:extLst>
               <a:ext uri="{FF2B5EF4-FFF2-40B4-BE49-F238E27FC236}">
-                <a16:creationId xmlns:a16="http://schemas.microsoft.com/office/drawing/2014/main" id="{CD02CE37-4A0D-B129-F1CF-69750E8610F8}"/>
+                <a16:creationId xmlns:a16="http://schemas.microsoft.com/office/drawing/2014/main" id="{43A46909-BA56-EB24-508E-EE8AF3873DBB}"/>
               </a:ext>
             </a:extLst>
           </p:cNvPr>
@@ -166,7 +166,7 @@
           <p:cNvPr id="3" name="副标题 2">
             <a:extLst>
               <a:ext uri="{FF2B5EF4-FFF2-40B4-BE49-F238E27FC236}">
-                <a16:creationId xmlns:a16="http://schemas.microsoft.com/office/drawing/2014/main" id="{4B52544D-365F-2083-D930-E4A4F66D3B84}"/>
+                <a16:creationId xmlns:a16="http://schemas.microsoft.com/office/drawing/2014/main" id="{CC26CB85-6182-B8F1-74A6-73EED8CCBF5D}"/>
               </a:ext>
             </a:extLst>
           </p:cNvPr>
@@ -236,7 +236,7 @@
           <p:cNvPr id="4" name="日期占位符 3">
             <a:extLst>
               <a:ext uri="{FF2B5EF4-FFF2-40B4-BE49-F238E27FC236}">
-                <a16:creationId xmlns:a16="http://schemas.microsoft.com/office/drawing/2014/main" id="{20834E5F-5B52-E2B9-0D0B-BBFCA7BA1603}"/>
+                <a16:creationId xmlns:a16="http://schemas.microsoft.com/office/drawing/2014/main" id="{F80B729A-786C-4A8F-8703-3B19A0FF6A60}"/>
               </a:ext>
             </a:extLst>
           </p:cNvPr>
@@ -252,7 +252,7 @@
           <a:bodyPr/>
           <a:lstStyle/>
           <a:p>
-            <a:fld id="{4310DBE6-436E-4DAC-A868-95079833E7CF}" type="datetimeFigureOut">
+            <a:fld id="{4336BBA4-9B0B-411B-BB8E-7865C56069A4}" type="datetimeFigureOut">
               <a:rPr lang="zh-CN" altLang="en-US" smtClean="0"/>
               <a:t>2024/3/10</a:t>
             </a:fld>
@@ -265,7 +265,7 @@
           <p:cNvPr id="5" name="页脚占位符 4">
             <a:extLst>
               <a:ext uri="{FF2B5EF4-FFF2-40B4-BE49-F238E27FC236}">
-                <a16:creationId xmlns:a16="http://schemas.microsoft.com/office/drawing/2014/main" id="{8075AFFD-A4A4-0787-06CA-355568034509}"/>
+                <a16:creationId xmlns:a16="http://schemas.microsoft.com/office/drawing/2014/main" id="{40EFF296-B390-299F-BA96-53E3F974EB69}"/>
               </a:ext>
             </a:extLst>
           </p:cNvPr>
@@ -290,7 +290,7 @@
           <p:cNvPr id="6" name="灯片编号占位符 5">
             <a:extLst>
               <a:ext uri="{FF2B5EF4-FFF2-40B4-BE49-F238E27FC236}">
-                <a16:creationId xmlns:a16="http://schemas.microsoft.com/office/drawing/2014/main" id="{E7CF66E2-9FF6-BA3D-94ED-D32F0E1BBB57}"/>
+                <a16:creationId xmlns:a16="http://schemas.microsoft.com/office/drawing/2014/main" id="{7A8450F5-92C7-153D-C175-9F81AB49EF4D}"/>
               </a:ext>
             </a:extLst>
           </p:cNvPr>
@@ -306,7 +306,7 @@
           <a:bodyPr/>
           <a:lstStyle/>
           <a:p>
-            <a:fld id="{9B201A70-86F5-4BB0-998F-38298BB2C082}" type="slidenum">
+            <a:fld id="{F7D88443-F192-4AFF-ABD2-AA0AB9F1439B}" type="slidenum">
               <a:rPr lang="zh-CN" altLang="en-US" smtClean="0"/>
               <a:t>‹#›</a:t>
             </a:fld>
@@ -317,7 +317,7 @@
     </p:spTree>
     <p:extLst>
       <p:ext uri="{BB962C8B-B14F-4D97-AF65-F5344CB8AC3E}">
-        <p14:creationId xmlns:p14="http://schemas.microsoft.com/office/powerpoint/2010/main" val="1837914892"/>
+        <p14:creationId xmlns:p14="http://schemas.microsoft.com/office/powerpoint/2010/main" val="133156728"/>
       </p:ext>
     </p:extLst>
   </p:cSld>
@@ -349,7 +349,7 @@
           <p:cNvPr id="2" name="标题 1">
             <a:extLst>
               <a:ext uri="{FF2B5EF4-FFF2-40B4-BE49-F238E27FC236}">
-                <a16:creationId xmlns:a16="http://schemas.microsoft.com/office/drawing/2014/main" id="{AC5F7E3E-844F-CEDF-5658-E1D9CC04AD37}"/>
+                <a16:creationId xmlns:a16="http://schemas.microsoft.com/office/drawing/2014/main" id="{D9F23794-D018-A4D7-A98B-F6B396DE7C52}"/>
               </a:ext>
             </a:extLst>
           </p:cNvPr>
@@ -377,7 +377,7 @@
           <p:cNvPr id="3" name="竖排文字占位符 2">
             <a:extLst>
               <a:ext uri="{FF2B5EF4-FFF2-40B4-BE49-F238E27FC236}">
-                <a16:creationId xmlns:a16="http://schemas.microsoft.com/office/drawing/2014/main" id="{2679A5DE-8CAA-BBD3-C0C2-0AEA5728B6DF}"/>
+                <a16:creationId xmlns:a16="http://schemas.microsoft.com/office/drawing/2014/main" id="{9DF2C985-2D13-DA78-0CAA-BEBCADA21456}"/>
               </a:ext>
             </a:extLst>
           </p:cNvPr>
@@ -434,7 +434,7 @@
           <p:cNvPr id="4" name="日期占位符 3">
             <a:extLst>
               <a:ext uri="{FF2B5EF4-FFF2-40B4-BE49-F238E27FC236}">
-                <a16:creationId xmlns:a16="http://schemas.microsoft.com/office/drawing/2014/main" id="{85518CBC-9B93-4420-66B6-99476662F62D}"/>
+                <a16:creationId xmlns:a16="http://schemas.microsoft.com/office/drawing/2014/main" id="{5E28F303-1825-397C-C750-BE1A7E923C71}"/>
               </a:ext>
             </a:extLst>
           </p:cNvPr>
@@ -450,7 +450,7 @@
           <a:bodyPr/>
           <a:lstStyle/>
           <a:p>
-            <a:fld id="{4310DBE6-436E-4DAC-A868-95079833E7CF}" type="datetimeFigureOut">
+            <a:fld id="{4336BBA4-9B0B-411B-BB8E-7865C56069A4}" type="datetimeFigureOut">
               <a:rPr lang="zh-CN" altLang="en-US" smtClean="0"/>
               <a:t>2024/3/10</a:t>
             </a:fld>
@@ -463,7 +463,7 @@
           <p:cNvPr id="5" name="页脚占位符 4">
             <a:extLst>
               <a:ext uri="{FF2B5EF4-FFF2-40B4-BE49-F238E27FC236}">
-                <a16:creationId xmlns:a16="http://schemas.microsoft.com/office/drawing/2014/main" id="{3DF16899-5950-86D2-A726-333E70E7D7E7}"/>
+                <a16:creationId xmlns:a16="http://schemas.microsoft.com/office/drawing/2014/main" id="{EE914BEF-21C4-3FFB-38F9-C42991B6410F}"/>
               </a:ext>
             </a:extLst>
           </p:cNvPr>
@@ -488,7 +488,7 @@
           <p:cNvPr id="6" name="灯片编号占位符 5">
             <a:extLst>
               <a:ext uri="{FF2B5EF4-FFF2-40B4-BE49-F238E27FC236}">
-                <a16:creationId xmlns:a16="http://schemas.microsoft.com/office/drawing/2014/main" id="{26ED7AB8-2FD3-74CB-5A55-5EF7D64A4E23}"/>
+                <a16:creationId xmlns:a16="http://schemas.microsoft.com/office/drawing/2014/main" id="{E2517526-19B3-0AAB-3A8E-053E089BD560}"/>
               </a:ext>
             </a:extLst>
           </p:cNvPr>
@@ -504,7 +504,7 @@
           <a:bodyPr/>
           <a:lstStyle/>
           <a:p>
-            <a:fld id="{9B201A70-86F5-4BB0-998F-38298BB2C082}" type="slidenum">
+            <a:fld id="{F7D88443-F192-4AFF-ABD2-AA0AB9F1439B}" type="slidenum">
               <a:rPr lang="zh-CN" altLang="en-US" smtClean="0"/>
               <a:t>‹#›</a:t>
             </a:fld>
@@ -515,7 +515,7 @@
     </p:spTree>
     <p:extLst>
       <p:ext uri="{BB962C8B-B14F-4D97-AF65-F5344CB8AC3E}">
-        <p14:creationId xmlns:p14="http://schemas.microsoft.com/office/powerpoint/2010/main" val="1190655646"/>
+        <p14:creationId xmlns:p14="http://schemas.microsoft.com/office/powerpoint/2010/main" val="1982870941"/>
       </p:ext>
     </p:extLst>
   </p:cSld>
@@ -547,7 +547,7 @@
           <p:cNvPr id="2" name="竖排标题 1">
             <a:extLst>
               <a:ext uri="{FF2B5EF4-FFF2-40B4-BE49-F238E27FC236}">
-                <a16:creationId xmlns:a16="http://schemas.microsoft.com/office/drawing/2014/main" id="{32A879DA-A7AC-32C9-864B-2A571B99BA8D}"/>
+                <a16:creationId xmlns:a16="http://schemas.microsoft.com/office/drawing/2014/main" id="{DBD4EEDB-BA10-10AD-1ACD-F891EBF560BA}"/>
               </a:ext>
             </a:extLst>
           </p:cNvPr>
@@ -580,7 +580,7 @@
           <p:cNvPr id="3" name="竖排文字占位符 2">
             <a:extLst>
               <a:ext uri="{FF2B5EF4-FFF2-40B4-BE49-F238E27FC236}">
-                <a16:creationId xmlns:a16="http://schemas.microsoft.com/office/drawing/2014/main" id="{011837E4-C717-EC8D-6F69-F24907995BE8}"/>
+                <a16:creationId xmlns:a16="http://schemas.microsoft.com/office/drawing/2014/main" id="{88066244-FC60-D3D4-C3A5-AAE7B4E02C6C}"/>
               </a:ext>
             </a:extLst>
           </p:cNvPr>
@@ -642,7 +642,7 @@
           <p:cNvPr id="4" name="日期占位符 3">
             <a:extLst>
               <a:ext uri="{FF2B5EF4-FFF2-40B4-BE49-F238E27FC236}">
-                <a16:creationId xmlns:a16="http://schemas.microsoft.com/office/drawing/2014/main" id="{B82FACD4-5231-2808-BE3B-AA562DC91490}"/>
+                <a16:creationId xmlns:a16="http://schemas.microsoft.com/office/drawing/2014/main" id="{6A9563AA-87B1-DE39-DEF7-CE0E2E6813B3}"/>
               </a:ext>
             </a:extLst>
           </p:cNvPr>
@@ -658,7 +658,7 @@
           <a:bodyPr/>
           <a:lstStyle/>
           <a:p>
-            <a:fld id="{4310DBE6-436E-4DAC-A868-95079833E7CF}" type="datetimeFigureOut">
+            <a:fld id="{4336BBA4-9B0B-411B-BB8E-7865C56069A4}" type="datetimeFigureOut">
               <a:rPr lang="zh-CN" altLang="en-US" smtClean="0"/>
               <a:t>2024/3/10</a:t>
             </a:fld>
@@ -671,7 +671,7 @@
           <p:cNvPr id="5" name="页脚占位符 4">
             <a:extLst>
               <a:ext uri="{FF2B5EF4-FFF2-40B4-BE49-F238E27FC236}">
-                <a16:creationId xmlns:a16="http://schemas.microsoft.com/office/drawing/2014/main" id="{01472983-1F09-02A4-5637-30CA9597EB2F}"/>
+                <a16:creationId xmlns:a16="http://schemas.microsoft.com/office/drawing/2014/main" id="{26CAEF4F-1984-5D84-BB8C-168444201F45}"/>
               </a:ext>
             </a:extLst>
           </p:cNvPr>
@@ -696,7 +696,7 @@
           <p:cNvPr id="6" name="灯片编号占位符 5">
             <a:extLst>
               <a:ext uri="{FF2B5EF4-FFF2-40B4-BE49-F238E27FC236}">
-                <a16:creationId xmlns:a16="http://schemas.microsoft.com/office/drawing/2014/main" id="{9C66A1CB-2431-7BB2-419A-AD34AB00918A}"/>
+                <a16:creationId xmlns:a16="http://schemas.microsoft.com/office/drawing/2014/main" id="{77A31DA4-E0AD-B623-89CB-D0FE7D1439AC}"/>
               </a:ext>
             </a:extLst>
           </p:cNvPr>
@@ -712,7 +712,7 @@
           <a:bodyPr/>
           <a:lstStyle/>
           <a:p>
-            <a:fld id="{9B201A70-86F5-4BB0-998F-38298BB2C082}" type="slidenum">
+            <a:fld id="{F7D88443-F192-4AFF-ABD2-AA0AB9F1439B}" type="slidenum">
               <a:rPr lang="zh-CN" altLang="en-US" smtClean="0"/>
               <a:t>‹#›</a:t>
             </a:fld>
@@ -723,7 +723,7 @@
     </p:spTree>
     <p:extLst>
       <p:ext uri="{BB962C8B-B14F-4D97-AF65-F5344CB8AC3E}">
-        <p14:creationId xmlns:p14="http://schemas.microsoft.com/office/powerpoint/2010/main" val="3330356761"/>
+        <p14:creationId xmlns:p14="http://schemas.microsoft.com/office/powerpoint/2010/main" val="985281803"/>
       </p:ext>
     </p:extLst>
   </p:cSld>
@@ -755,7 +755,7 @@
           <p:cNvPr id="2" name="标题 1">
             <a:extLst>
               <a:ext uri="{FF2B5EF4-FFF2-40B4-BE49-F238E27FC236}">
-                <a16:creationId xmlns:a16="http://schemas.microsoft.com/office/drawing/2014/main" id="{BD485AF8-A277-CCD9-CDD7-1CD25E6F1AC2}"/>
+                <a16:creationId xmlns:a16="http://schemas.microsoft.com/office/drawing/2014/main" id="{908B3ECB-33B3-B064-E118-1DF585AF0142}"/>
               </a:ext>
             </a:extLst>
           </p:cNvPr>
@@ -783,7 +783,7 @@
           <p:cNvPr id="3" name="内容占位符 2">
             <a:extLst>
               <a:ext uri="{FF2B5EF4-FFF2-40B4-BE49-F238E27FC236}">
-                <a16:creationId xmlns:a16="http://schemas.microsoft.com/office/drawing/2014/main" id="{2EF60523-1BFA-D70B-8CCF-42B78BF99B38}"/>
+                <a16:creationId xmlns:a16="http://schemas.microsoft.com/office/drawing/2014/main" id="{5C13CC31-FD6F-078B-C828-3043D726397E}"/>
               </a:ext>
             </a:extLst>
           </p:cNvPr>
@@ -840,7 +840,7 @@
           <p:cNvPr id="4" name="日期占位符 3">
             <a:extLst>
               <a:ext uri="{FF2B5EF4-FFF2-40B4-BE49-F238E27FC236}">
-                <a16:creationId xmlns:a16="http://schemas.microsoft.com/office/drawing/2014/main" id="{97B3F4AD-5B91-8DC2-2196-5415D683AA32}"/>
+                <a16:creationId xmlns:a16="http://schemas.microsoft.com/office/drawing/2014/main" id="{4A3A0084-95A8-AEE7-84C0-D9C2F1D561F6}"/>
               </a:ext>
             </a:extLst>
           </p:cNvPr>
@@ -856,7 +856,7 @@
           <a:bodyPr/>
           <a:lstStyle/>
           <a:p>
-            <a:fld id="{4310DBE6-436E-4DAC-A868-95079833E7CF}" type="datetimeFigureOut">
+            <a:fld id="{4336BBA4-9B0B-411B-BB8E-7865C56069A4}" type="datetimeFigureOut">
               <a:rPr lang="zh-CN" altLang="en-US" smtClean="0"/>
               <a:t>2024/3/10</a:t>
             </a:fld>
@@ -869,7 +869,7 @@
           <p:cNvPr id="5" name="页脚占位符 4">
             <a:extLst>
               <a:ext uri="{FF2B5EF4-FFF2-40B4-BE49-F238E27FC236}">
-                <a16:creationId xmlns:a16="http://schemas.microsoft.com/office/drawing/2014/main" id="{1D67668B-5458-19C2-F86E-D92F34B252F4}"/>
+                <a16:creationId xmlns:a16="http://schemas.microsoft.com/office/drawing/2014/main" id="{C6F521CE-D04B-2B6C-5331-9DC94EE13992}"/>
               </a:ext>
             </a:extLst>
           </p:cNvPr>
@@ -894,7 +894,7 @@
           <p:cNvPr id="6" name="灯片编号占位符 5">
             <a:extLst>
               <a:ext uri="{FF2B5EF4-FFF2-40B4-BE49-F238E27FC236}">
-                <a16:creationId xmlns:a16="http://schemas.microsoft.com/office/drawing/2014/main" id="{C8907655-6D0B-9FA0-312B-FEBE0ECA7CC5}"/>
+                <a16:creationId xmlns:a16="http://schemas.microsoft.com/office/drawing/2014/main" id="{D070E27F-FAB0-508B-2FED-6D017364B0B0}"/>
               </a:ext>
             </a:extLst>
           </p:cNvPr>
@@ -910,7 +910,7 @@
           <a:bodyPr/>
           <a:lstStyle/>
           <a:p>
-            <a:fld id="{9B201A70-86F5-4BB0-998F-38298BB2C082}" type="slidenum">
+            <a:fld id="{F7D88443-F192-4AFF-ABD2-AA0AB9F1439B}" type="slidenum">
               <a:rPr lang="zh-CN" altLang="en-US" smtClean="0"/>
               <a:t>‹#›</a:t>
             </a:fld>
@@ -921,7 +921,7 @@
     </p:spTree>
     <p:extLst>
       <p:ext uri="{BB962C8B-B14F-4D97-AF65-F5344CB8AC3E}">
-        <p14:creationId xmlns:p14="http://schemas.microsoft.com/office/powerpoint/2010/main" val="149150135"/>
+        <p14:creationId xmlns:p14="http://schemas.microsoft.com/office/powerpoint/2010/main" val="3954282916"/>
       </p:ext>
     </p:extLst>
   </p:cSld>
@@ -953,7 +953,7 @@
           <p:cNvPr id="2" name="标题 1">
             <a:extLst>
               <a:ext uri="{FF2B5EF4-FFF2-40B4-BE49-F238E27FC236}">
-                <a16:creationId xmlns:a16="http://schemas.microsoft.com/office/drawing/2014/main" id="{4518BF6F-3C47-D5BE-233F-30346774599D}"/>
+                <a16:creationId xmlns:a16="http://schemas.microsoft.com/office/drawing/2014/main" id="{EA6AA03B-D0B2-F692-E446-5E49C70299AE}"/>
               </a:ext>
             </a:extLst>
           </p:cNvPr>
@@ -990,7 +990,7 @@
           <p:cNvPr id="3" name="文本占位符 2">
             <a:extLst>
               <a:ext uri="{FF2B5EF4-FFF2-40B4-BE49-F238E27FC236}">
-                <a16:creationId xmlns:a16="http://schemas.microsoft.com/office/drawing/2014/main" id="{155B1330-BB95-610B-3BDB-C8AADCF79CB5}"/>
+                <a16:creationId xmlns:a16="http://schemas.microsoft.com/office/drawing/2014/main" id="{77078F47-C570-3765-4D17-7A0B2AC775E9}"/>
               </a:ext>
             </a:extLst>
           </p:cNvPr>
@@ -1115,7 +1115,7 @@
           <p:cNvPr id="4" name="日期占位符 3">
             <a:extLst>
               <a:ext uri="{FF2B5EF4-FFF2-40B4-BE49-F238E27FC236}">
-                <a16:creationId xmlns:a16="http://schemas.microsoft.com/office/drawing/2014/main" id="{F4D67F31-C349-7772-E08C-6183D0BB67AB}"/>
+                <a16:creationId xmlns:a16="http://schemas.microsoft.com/office/drawing/2014/main" id="{F0E2C5F7-FF0E-716C-9500-82C34C395E4C}"/>
               </a:ext>
             </a:extLst>
           </p:cNvPr>
@@ -1131,7 +1131,7 @@
           <a:bodyPr/>
           <a:lstStyle/>
           <a:p>
-            <a:fld id="{4310DBE6-436E-4DAC-A868-95079833E7CF}" type="datetimeFigureOut">
+            <a:fld id="{4336BBA4-9B0B-411B-BB8E-7865C56069A4}" type="datetimeFigureOut">
               <a:rPr lang="zh-CN" altLang="en-US" smtClean="0"/>
               <a:t>2024/3/10</a:t>
             </a:fld>
@@ -1144,7 +1144,7 @@
           <p:cNvPr id="5" name="页脚占位符 4">
             <a:extLst>
               <a:ext uri="{FF2B5EF4-FFF2-40B4-BE49-F238E27FC236}">
-                <a16:creationId xmlns:a16="http://schemas.microsoft.com/office/drawing/2014/main" id="{5A574E3D-C872-DDCB-C8FE-0B0BF51031E7}"/>
+                <a16:creationId xmlns:a16="http://schemas.microsoft.com/office/drawing/2014/main" id="{176998A4-C178-87D0-3893-AD2F742374F1}"/>
               </a:ext>
             </a:extLst>
           </p:cNvPr>
@@ -1169,7 +1169,7 @@
           <p:cNvPr id="6" name="灯片编号占位符 5">
             <a:extLst>
               <a:ext uri="{FF2B5EF4-FFF2-40B4-BE49-F238E27FC236}">
-                <a16:creationId xmlns:a16="http://schemas.microsoft.com/office/drawing/2014/main" id="{6C4873DA-A50A-0C72-FE19-A5A2C7A990AA}"/>
+                <a16:creationId xmlns:a16="http://schemas.microsoft.com/office/drawing/2014/main" id="{E1E36A66-253D-A07D-F752-2B4181CDA09E}"/>
               </a:ext>
             </a:extLst>
           </p:cNvPr>
@@ -1185,7 +1185,7 @@
           <a:bodyPr/>
           <a:lstStyle/>
           <a:p>
-            <a:fld id="{9B201A70-86F5-4BB0-998F-38298BB2C082}" type="slidenum">
+            <a:fld id="{F7D88443-F192-4AFF-ABD2-AA0AB9F1439B}" type="slidenum">
               <a:rPr lang="zh-CN" altLang="en-US" smtClean="0"/>
               <a:t>‹#›</a:t>
             </a:fld>
@@ -1196,7 +1196,7 @@
     </p:spTree>
     <p:extLst>
       <p:ext uri="{BB962C8B-B14F-4D97-AF65-F5344CB8AC3E}">
-        <p14:creationId xmlns:p14="http://schemas.microsoft.com/office/powerpoint/2010/main" val="946048016"/>
+        <p14:creationId xmlns:p14="http://schemas.microsoft.com/office/powerpoint/2010/main" val="1362283054"/>
       </p:ext>
     </p:extLst>
   </p:cSld>
@@ -1228,7 +1228,7 @@
           <p:cNvPr id="2" name="标题 1">
             <a:extLst>
               <a:ext uri="{FF2B5EF4-FFF2-40B4-BE49-F238E27FC236}">
-                <a16:creationId xmlns:a16="http://schemas.microsoft.com/office/drawing/2014/main" id="{9CB1E9C5-0078-580A-8CB9-695161E18441}"/>
+                <a16:creationId xmlns:a16="http://schemas.microsoft.com/office/drawing/2014/main" id="{57292456-0EC7-44F5-2916-F5B36429872C}"/>
               </a:ext>
             </a:extLst>
           </p:cNvPr>
@@ -1256,7 +1256,7 @@
           <p:cNvPr id="3" name="内容占位符 2">
             <a:extLst>
               <a:ext uri="{FF2B5EF4-FFF2-40B4-BE49-F238E27FC236}">
-                <a16:creationId xmlns:a16="http://schemas.microsoft.com/office/drawing/2014/main" id="{F0AD92EF-FAC2-2887-0A48-8D9C9F8D5E6D}"/>
+                <a16:creationId xmlns:a16="http://schemas.microsoft.com/office/drawing/2014/main" id="{F3F8B0F7-A5E4-9FB7-C21D-2C65D4F0FD6C}"/>
               </a:ext>
             </a:extLst>
           </p:cNvPr>
@@ -1318,7 +1318,7 @@
           <p:cNvPr id="4" name="内容占位符 3">
             <a:extLst>
               <a:ext uri="{FF2B5EF4-FFF2-40B4-BE49-F238E27FC236}">
-                <a16:creationId xmlns:a16="http://schemas.microsoft.com/office/drawing/2014/main" id="{79E9C649-9C9A-7A9B-D11A-336C016D2B84}"/>
+                <a16:creationId xmlns:a16="http://schemas.microsoft.com/office/drawing/2014/main" id="{B9882AFD-FC9C-30F4-8D24-84B06E16954C}"/>
               </a:ext>
             </a:extLst>
           </p:cNvPr>
@@ -1380,7 +1380,7 @@
           <p:cNvPr id="5" name="日期占位符 4">
             <a:extLst>
               <a:ext uri="{FF2B5EF4-FFF2-40B4-BE49-F238E27FC236}">
-                <a16:creationId xmlns:a16="http://schemas.microsoft.com/office/drawing/2014/main" id="{E2AAD072-DAA7-89F4-75CE-7649042F53C0}"/>
+                <a16:creationId xmlns:a16="http://schemas.microsoft.com/office/drawing/2014/main" id="{6A9A8403-B75F-BA02-941B-B495517A6C65}"/>
               </a:ext>
             </a:extLst>
           </p:cNvPr>
@@ -1396,7 +1396,7 @@
           <a:bodyPr/>
           <a:lstStyle/>
           <a:p>
-            <a:fld id="{4310DBE6-436E-4DAC-A868-95079833E7CF}" type="datetimeFigureOut">
+            <a:fld id="{4336BBA4-9B0B-411B-BB8E-7865C56069A4}" type="datetimeFigureOut">
               <a:rPr lang="zh-CN" altLang="en-US" smtClean="0"/>
               <a:t>2024/3/10</a:t>
             </a:fld>
@@ -1409,7 +1409,7 @@
           <p:cNvPr id="6" name="页脚占位符 5">
             <a:extLst>
               <a:ext uri="{FF2B5EF4-FFF2-40B4-BE49-F238E27FC236}">
-                <a16:creationId xmlns:a16="http://schemas.microsoft.com/office/drawing/2014/main" id="{7D43DEF1-F040-FD8F-03EA-D62A20B9ADA5}"/>
+                <a16:creationId xmlns:a16="http://schemas.microsoft.com/office/drawing/2014/main" id="{082BE695-CA9A-6D28-9D51-46ABA407FCAA}"/>
               </a:ext>
             </a:extLst>
           </p:cNvPr>
@@ -1434,7 +1434,7 @@
           <p:cNvPr id="7" name="灯片编号占位符 6">
             <a:extLst>
               <a:ext uri="{FF2B5EF4-FFF2-40B4-BE49-F238E27FC236}">
-                <a16:creationId xmlns:a16="http://schemas.microsoft.com/office/drawing/2014/main" id="{B662F80D-EC4A-B0AB-6EA2-3EF06A788B06}"/>
+                <a16:creationId xmlns:a16="http://schemas.microsoft.com/office/drawing/2014/main" id="{472F0511-26C9-8E28-3156-400D29D0391D}"/>
               </a:ext>
             </a:extLst>
           </p:cNvPr>
@@ -1450,7 +1450,7 @@
           <a:bodyPr/>
           <a:lstStyle/>
           <a:p>
-            <a:fld id="{9B201A70-86F5-4BB0-998F-38298BB2C082}" type="slidenum">
+            <a:fld id="{F7D88443-F192-4AFF-ABD2-AA0AB9F1439B}" type="slidenum">
               <a:rPr lang="zh-CN" altLang="en-US" smtClean="0"/>
               <a:t>‹#›</a:t>
             </a:fld>
@@ -1461,7 +1461,7 @@
     </p:spTree>
     <p:extLst>
       <p:ext uri="{BB962C8B-B14F-4D97-AF65-F5344CB8AC3E}">
-        <p14:creationId xmlns:p14="http://schemas.microsoft.com/office/powerpoint/2010/main" val="828660300"/>
+        <p14:creationId xmlns:p14="http://schemas.microsoft.com/office/powerpoint/2010/main" val="3290206330"/>
       </p:ext>
     </p:extLst>
   </p:cSld>
@@ -1493,7 +1493,7 @@
           <p:cNvPr id="2" name="标题 1">
             <a:extLst>
               <a:ext uri="{FF2B5EF4-FFF2-40B4-BE49-F238E27FC236}">
-                <a16:creationId xmlns:a16="http://schemas.microsoft.com/office/drawing/2014/main" id="{9FD14C00-7413-AABC-8E3E-4CD679BEBD57}"/>
+                <a16:creationId xmlns:a16="http://schemas.microsoft.com/office/drawing/2014/main" id="{BC4C93B7-23B1-6FAF-9AA4-937A1773A813}"/>
               </a:ext>
             </a:extLst>
           </p:cNvPr>
@@ -1526,7 +1526,7 @@
           <p:cNvPr id="3" name="文本占位符 2">
             <a:extLst>
               <a:ext uri="{FF2B5EF4-FFF2-40B4-BE49-F238E27FC236}">
-                <a16:creationId xmlns:a16="http://schemas.microsoft.com/office/drawing/2014/main" id="{3BE1EECE-5EA5-74A5-DCAD-DABEDA08692B}"/>
+                <a16:creationId xmlns:a16="http://schemas.microsoft.com/office/drawing/2014/main" id="{A1B1F9BF-75E8-B717-ACF1-302BEB1E58F4}"/>
               </a:ext>
             </a:extLst>
           </p:cNvPr>
@@ -1597,7 +1597,7 @@
           <p:cNvPr id="4" name="内容占位符 3">
             <a:extLst>
               <a:ext uri="{FF2B5EF4-FFF2-40B4-BE49-F238E27FC236}">
-                <a16:creationId xmlns:a16="http://schemas.microsoft.com/office/drawing/2014/main" id="{1F41B5CF-9C22-FFDD-B23E-7F4FDDA3DEB0}"/>
+                <a16:creationId xmlns:a16="http://schemas.microsoft.com/office/drawing/2014/main" id="{CC2B8F24-89D9-6409-A866-D9E768E5F95F}"/>
               </a:ext>
             </a:extLst>
           </p:cNvPr>
@@ -1659,7 +1659,7 @@
           <p:cNvPr id="5" name="文本占位符 4">
             <a:extLst>
               <a:ext uri="{FF2B5EF4-FFF2-40B4-BE49-F238E27FC236}">
-                <a16:creationId xmlns:a16="http://schemas.microsoft.com/office/drawing/2014/main" id="{2C827C9E-A5C2-2899-2AF1-F332852AAD2D}"/>
+                <a16:creationId xmlns:a16="http://schemas.microsoft.com/office/drawing/2014/main" id="{B09C66E8-10BA-4938-B4BF-9B8EB12EDFEF}"/>
               </a:ext>
             </a:extLst>
           </p:cNvPr>
@@ -1730,7 +1730,7 @@
           <p:cNvPr id="6" name="内容占位符 5">
             <a:extLst>
               <a:ext uri="{FF2B5EF4-FFF2-40B4-BE49-F238E27FC236}">
-                <a16:creationId xmlns:a16="http://schemas.microsoft.com/office/drawing/2014/main" id="{47FE8996-C818-5BF5-95B9-3D116B132192}"/>
+                <a16:creationId xmlns:a16="http://schemas.microsoft.com/office/drawing/2014/main" id="{E4394ED2-7E7A-6F32-9950-8782F84588D7}"/>
               </a:ext>
             </a:extLst>
           </p:cNvPr>
@@ -1792,7 +1792,7 @@
           <p:cNvPr id="7" name="日期占位符 6">
             <a:extLst>
               <a:ext uri="{FF2B5EF4-FFF2-40B4-BE49-F238E27FC236}">
-                <a16:creationId xmlns:a16="http://schemas.microsoft.com/office/drawing/2014/main" id="{A70AED5A-F39D-A3DB-E42B-FDFA60A45740}"/>
+                <a16:creationId xmlns:a16="http://schemas.microsoft.com/office/drawing/2014/main" id="{CC1912BA-FD63-826A-61D3-D6333DE249AE}"/>
               </a:ext>
             </a:extLst>
           </p:cNvPr>
@@ -1808,7 +1808,7 @@
           <a:bodyPr/>
           <a:lstStyle/>
           <a:p>
-            <a:fld id="{4310DBE6-436E-4DAC-A868-95079833E7CF}" type="datetimeFigureOut">
+            <a:fld id="{4336BBA4-9B0B-411B-BB8E-7865C56069A4}" type="datetimeFigureOut">
               <a:rPr lang="zh-CN" altLang="en-US" smtClean="0"/>
               <a:t>2024/3/10</a:t>
             </a:fld>
@@ -1821,7 +1821,7 @@
           <p:cNvPr id="8" name="页脚占位符 7">
             <a:extLst>
               <a:ext uri="{FF2B5EF4-FFF2-40B4-BE49-F238E27FC236}">
-                <a16:creationId xmlns:a16="http://schemas.microsoft.com/office/drawing/2014/main" id="{895E4B53-4359-7380-5B83-263F6043F736}"/>
+                <a16:creationId xmlns:a16="http://schemas.microsoft.com/office/drawing/2014/main" id="{F827603B-6B87-E549-AD44-C14B30B4BFB0}"/>
               </a:ext>
             </a:extLst>
           </p:cNvPr>
@@ -1846,7 +1846,7 @@
           <p:cNvPr id="9" name="灯片编号占位符 8">
             <a:extLst>
               <a:ext uri="{FF2B5EF4-FFF2-40B4-BE49-F238E27FC236}">
-                <a16:creationId xmlns:a16="http://schemas.microsoft.com/office/drawing/2014/main" id="{68472AD1-F8E3-7F62-7175-55F802DB2A20}"/>
+                <a16:creationId xmlns:a16="http://schemas.microsoft.com/office/drawing/2014/main" id="{C502D6CD-A7CA-862A-19D8-874B7D658E31}"/>
               </a:ext>
             </a:extLst>
           </p:cNvPr>
@@ -1862,7 +1862,7 @@
           <a:bodyPr/>
           <a:lstStyle/>
           <a:p>
-            <a:fld id="{9B201A70-86F5-4BB0-998F-38298BB2C082}" type="slidenum">
+            <a:fld id="{F7D88443-F192-4AFF-ABD2-AA0AB9F1439B}" type="slidenum">
               <a:rPr lang="zh-CN" altLang="en-US" smtClean="0"/>
               <a:t>‹#›</a:t>
             </a:fld>
@@ -1873,7 +1873,7 @@
     </p:spTree>
     <p:extLst>
       <p:ext uri="{BB962C8B-B14F-4D97-AF65-F5344CB8AC3E}">
-        <p14:creationId xmlns:p14="http://schemas.microsoft.com/office/powerpoint/2010/main" val="3694490427"/>
+        <p14:creationId xmlns:p14="http://schemas.microsoft.com/office/powerpoint/2010/main" val="3988618693"/>
       </p:ext>
     </p:extLst>
   </p:cSld>
@@ -1905,7 +1905,7 @@
           <p:cNvPr id="2" name="标题 1">
             <a:extLst>
               <a:ext uri="{FF2B5EF4-FFF2-40B4-BE49-F238E27FC236}">
-                <a16:creationId xmlns:a16="http://schemas.microsoft.com/office/drawing/2014/main" id="{E7B9B8FD-9B8E-F28D-5DDE-45053A0C9C16}"/>
+                <a16:creationId xmlns:a16="http://schemas.microsoft.com/office/drawing/2014/main" id="{0928EF73-4B84-FFFB-89EC-7B4BDFB18FEF}"/>
               </a:ext>
             </a:extLst>
           </p:cNvPr>
@@ -1933,7 +1933,7 @@
           <p:cNvPr id="3" name="日期占位符 2">
             <a:extLst>
               <a:ext uri="{FF2B5EF4-FFF2-40B4-BE49-F238E27FC236}">
-                <a16:creationId xmlns:a16="http://schemas.microsoft.com/office/drawing/2014/main" id="{D6BD585B-72B4-9C7E-1AD6-306B058649B8}"/>
+                <a16:creationId xmlns:a16="http://schemas.microsoft.com/office/drawing/2014/main" id="{E77508C2-F20F-216D-A0BA-3AD8EB9AEE67}"/>
               </a:ext>
             </a:extLst>
           </p:cNvPr>
@@ -1949,7 +1949,7 @@
           <a:bodyPr/>
           <a:lstStyle/>
           <a:p>
-            <a:fld id="{4310DBE6-436E-4DAC-A868-95079833E7CF}" type="datetimeFigureOut">
+            <a:fld id="{4336BBA4-9B0B-411B-BB8E-7865C56069A4}" type="datetimeFigureOut">
               <a:rPr lang="zh-CN" altLang="en-US" smtClean="0"/>
               <a:t>2024/3/10</a:t>
             </a:fld>
@@ -1962,7 +1962,7 @@
           <p:cNvPr id="4" name="页脚占位符 3">
             <a:extLst>
               <a:ext uri="{FF2B5EF4-FFF2-40B4-BE49-F238E27FC236}">
-                <a16:creationId xmlns:a16="http://schemas.microsoft.com/office/drawing/2014/main" id="{0CBDBF9C-C8F9-DFC9-1E7F-863655129D45}"/>
+                <a16:creationId xmlns:a16="http://schemas.microsoft.com/office/drawing/2014/main" id="{16FA64C1-70C4-48B2-EC12-70BB39C550D5}"/>
               </a:ext>
             </a:extLst>
           </p:cNvPr>
@@ -1987,7 +1987,7 @@
           <p:cNvPr id="5" name="灯片编号占位符 4">
             <a:extLst>
               <a:ext uri="{FF2B5EF4-FFF2-40B4-BE49-F238E27FC236}">
-                <a16:creationId xmlns:a16="http://schemas.microsoft.com/office/drawing/2014/main" id="{CA547E67-A514-7AA1-E0B2-0EDEFD03B360}"/>
+                <a16:creationId xmlns:a16="http://schemas.microsoft.com/office/drawing/2014/main" id="{91225B46-7D28-B16C-E841-941B8D32292A}"/>
               </a:ext>
             </a:extLst>
           </p:cNvPr>
@@ -2003,7 +2003,7 @@
           <a:bodyPr/>
           <a:lstStyle/>
           <a:p>
-            <a:fld id="{9B201A70-86F5-4BB0-998F-38298BB2C082}" type="slidenum">
+            <a:fld id="{F7D88443-F192-4AFF-ABD2-AA0AB9F1439B}" type="slidenum">
               <a:rPr lang="zh-CN" altLang="en-US" smtClean="0"/>
               <a:t>‹#›</a:t>
             </a:fld>
@@ -2014,7 +2014,7 @@
     </p:spTree>
     <p:extLst>
       <p:ext uri="{BB962C8B-B14F-4D97-AF65-F5344CB8AC3E}">
-        <p14:creationId xmlns:p14="http://schemas.microsoft.com/office/powerpoint/2010/main" val="124885827"/>
+        <p14:creationId xmlns:p14="http://schemas.microsoft.com/office/powerpoint/2010/main" val="2648280898"/>
       </p:ext>
     </p:extLst>
   </p:cSld>
@@ -2046,7 +2046,7 @@
           <p:cNvPr id="2" name="日期占位符 1">
             <a:extLst>
               <a:ext uri="{FF2B5EF4-FFF2-40B4-BE49-F238E27FC236}">
-                <a16:creationId xmlns:a16="http://schemas.microsoft.com/office/drawing/2014/main" id="{EE146801-A68C-68FD-60D7-7210D1B882EC}"/>
+                <a16:creationId xmlns:a16="http://schemas.microsoft.com/office/drawing/2014/main" id="{78A514E0-1477-4B3E-3A99-97C1E2D485C5}"/>
               </a:ext>
             </a:extLst>
           </p:cNvPr>
@@ -2062,7 +2062,7 @@
           <a:bodyPr/>
           <a:lstStyle/>
           <a:p>
-            <a:fld id="{4310DBE6-436E-4DAC-A868-95079833E7CF}" type="datetimeFigureOut">
+            <a:fld id="{4336BBA4-9B0B-411B-BB8E-7865C56069A4}" type="datetimeFigureOut">
               <a:rPr lang="zh-CN" altLang="en-US" smtClean="0"/>
               <a:t>2024/3/10</a:t>
             </a:fld>
@@ -2075,7 +2075,7 @@
           <p:cNvPr id="3" name="页脚占位符 2">
             <a:extLst>
               <a:ext uri="{FF2B5EF4-FFF2-40B4-BE49-F238E27FC236}">
-                <a16:creationId xmlns:a16="http://schemas.microsoft.com/office/drawing/2014/main" id="{CBEBF74F-C893-93A5-9FDC-7E8CA8C69BF4}"/>
+                <a16:creationId xmlns:a16="http://schemas.microsoft.com/office/drawing/2014/main" id="{887931D3-632B-70B5-1A1E-513671439778}"/>
               </a:ext>
             </a:extLst>
           </p:cNvPr>
@@ -2100,7 +2100,7 @@
           <p:cNvPr id="4" name="灯片编号占位符 3">
             <a:extLst>
               <a:ext uri="{FF2B5EF4-FFF2-40B4-BE49-F238E27FC236}">
-                <a16:creationId xmlns:a16="http://schemas.microsoft.com/office/drawing/2014/main" id="{F5DCAA2E-2F06-FE38-8287-1E166C5953DC}"/>
+                <a16:creationId xmlns:a16="http://schemas.microsoft.com/office/drawing/2014/main" id="{1EB1CD62-506E-2F1E-7537-B83DE31EE315}"/>
               </a:ext>
             </a:extLst>
           </p:cNvPr>
@@ -2116,7 +2116,7 @@
           <a:bodyPr/>
           <a:lstStyle/>
           <a:p>
-            <a:fld id="{9B201A70-86F5-4BB0-998F-38298BB2C082}" type="slidenum">
+            <a:fld id="{F7D88443-F192-4AFF-ABD2-AA0AB9F1439B}" type="slidenum">
               <a:rPr lang="zh-CN" altLang="en-US" smtClean="0"/>
               <a:t>‹#›</a:t>
             </a:fld>
@@ -2127,7 +2127,7 @@
     </p:spTree>
     <p:extLst>
       <p:ext uri="{BB962C8B-B14F-4D97-AF65-F5344CB8AC3E}">
-        <p14:creationId xmlns:p14="http://schemas.microsoft.com/office/powerpoint/2010/main" val="1970682623"/>
+        <p14:creationId xmlns:p14="http://schemas.microsoft.com/office/powerpoint/2010/main" val="3188367149"/>
       </p:ext>
     </p:extLst>
   </p:cSld>
@@ -2159,7 +2159,7 @@
           <p:cNvPr id="2" name="标题 1">
             <a:extLst>
               <a:ext uri="{FF2B5EF4-FFF2-40B4-BE49-F238E27FC236}">
-                <a16:creationId xmlns:a16="http://schemas.microsoft.com/office/drawing/2014/main" id="{C602353B-A0F6-138D-E4D9-8CC93C827A59}"/>
+                <a16:creationId xmlns:a16="http://schemas.microsoft.com/office/drawing/2014/main" id="{94785A9A-8225-8B19-12D2-1DF453C0DE71}"/>
               </a:ext>
             </a:extLst>
           </p:cNvPr>
@@ -2196,7 +2196,7 @@
           <p:cNvPr id="3" name="内容占位符 2">
             <a:extLst>
               <a:ext uri="{FF2B5EF4-FFF2-40B4-BE49-F238E27FC236}">
-                <a16:creationId xmlns:a16="http://schemas.microsoft.com/office/drawing/2014/main" id="{D4FB9179-ACF6-B324-EB76-2637E1D8BBF5}"/>
+                <a16:creationId xmlns:a16="http://schemas.microsoft.com/office/drawing/2014/main" id="{60236EF8-1FD1-62AA-31EC-D6CD9EB5FEDD}"/>
               </a:ext>
             </a:extLst>
           </p:cNvPr>
@@ -2286,7 +2286,7 @@
           <p:cNvPr id="4" name="文本占位符 3">
             <a:extLst>
               <a:ext uri="{FF2B5EF4-FFF2-40B4-BE49-F238E27FC236}">
-                <a16:creationId xmlns:a16="http://schemas.microsoft.com/office/drawing/2014/main" id="{26C3451D-401E-F6B3-3ACB-38E7BCC4B575}"/>
+                <a16:creationId xmlns:a16="http://schemas.microsoft.com/office/drawing/2014/main" id="{84AF718B-F9A9-5F60-0611-63CE212F34F5}"/>
               </a:ext>
             </a:extLst>
           </p:cNvPr>
@@ -2357,7 +2357,7 @@
           <p:cNvPr id="5" name="日期占位符 4">
             <a:extLst>
               <a:ext uri="{FF2B5EF4-FFF2-40B4-BE49-F238E27FC236}">
-                <a16:creationId xmlns:a16="http://schemas.microsoft.com/office/drawing/2014/main" id="{0012CB65-C2FD-5D77-39A4-BD5492193801}"/>
+                <a16:creationId xmlns:a16="http://schemas.microsoft.com/office/drawing/2014/main" id="{E641EFDF-E59E-34FD-C562-1259A88DECF4}"/>
               </a:ext>
             </a:extLst>
           </p:cNvPr>
@@ -2373,7 +2373,7 @@
           <a:bodyPr/>
           <a:lstStyle/>
           <a:p>
-            <a:fld id="{4310DBE6-436E-4DAC-A868-95079833E7CF}" type="datetimeFigureOut">
+            <a:fld id="{4336BBA4-9B0B-411B-BB8E-7865C56069A4}" type="datetimeFigureOut">
               <a:rPr lang="zh-CN" altLang="en-US" smtClean="0"/>
               <a:t>2024/3/10</a:t>
             </a:fld>
@@ -2386,7 +2386,7 @@
           <p:cNvPr id="6" name="页脚占位符 5">
             <a:extLst>
               <a:ext uri="{FF2B5EF4-FFF2-40B4-BE49-F238E27FC236}">
-                <a16:creationId xmlns:a16="http://schemas.microsoft.com/office/drawing/2014/main" id="{5D45013A-B7BC-4B7B-24B1-F15462FE162A}"/>
+                <a16:creationId xmlns:a16="http://schemas.microsoft.com/office/drawing/2014/main" id="{BF2F345D-1B3F-5B20-CA87-F8041B11409E}"/>
               </a:ext>
             </a:extLst>
           </p:cNvPr>
@@ -2411,7 +2411,7 @@
           <p:cNvPr id="7" name="灯片编号占位符 6">
             <a:extLst>
               <a:ext uri="{FF2B5EF4-FFF2-40B4-BE49-F238E27FC236}">
-                <a16:creationId xmlns:a16="http://schemas.microsoft.com/office/drawing/2014/main" id="{45983D14-F7AD-B2A3-8691-B1012720CCD3}"/>
+                <a16:creationId xmlns:a16="http://schemas.microsoft.com/office/drawing/2014/main" id="{E043B6EA-5D08-8518-C7FD-7A62D1EE8137}"/>
               </a:ext>
             </a:extLst>
           </p:cNvPr>
@@ -2427,7 +2427,7 @@
           <a:bodyPr/>
           <a:lstStyle/>
           <a:p>
-            <a:fld id="{9B201A70-86F5-4BB0-998F-38298BB2C082}" type="slidenum">
+            <a:fld id="{F7D88443-F192-4AFF-ABD2-AA0AB9F1439B}" type="slidenum">
               <a:rPr lang="zh-CN" altLang="en-US" smtClean="0"/>
               <a:t>‹#›</a:t>
             </a:fld>
@@ -2438,7 +2438,7 @@
     </p:spTree>
     <p:extLst>
       <p:ext uri="{BB962C8B-B14F-4D97-AF65-F5344CB8AC3E}">
-        <p14:creationId xmlns:p14="http://schemas.microsoft.com/office/powerpoint/2010/main" val="2193988146"/>
+        <p14:creationId xmlns:p14="http://schemas.microsoft.com/office/powerpoint/2010/main" val="3827302809"/>
       </p:ext>
     </p:extLst>
   </p:cSld>
@@ -2470,7 +2470,7 @@
           <p:cNvPr id="2" name="标题 1">
             <a:extLst>
               <a:ext uri="{FF2B5EF4-FFF2-40B4-BE49-F238E27FC236}">
-                <a16:creationId xmlns:a16="http://schemas.microsoft.com/office/drawing/2014/main" id="{95F29BFF-6468-DE1C-4573-1DEB367E96BB}"/>
+                <a16:creationId xmlns:a16="http://schemas.microsoft.com/office/drawing/2014/main" id="{3B81C077-B430-8DDA-E67E-6571F1A1D9BE}"/>
               </a:ext>
             </a:extLst>
           </p:cNvPr>
@@ -2507,7 +2507,7 @@
           <p:cNvPr id="3" name="图片占位符 2">
             <a:extLst>
               <a:ext uri="{FF2B5EF4-FFF2-40B4-BE49-F238E27FC236}">
-                <a16:creationId xmlns:a16="http://schemas.microsoft.com/office/drawing/2014/main" id="{E0C97F4D-74CE-821D-47D5-323828ED2067}"/>
+                <a16:creationId xmlns:a16="http://schemas.microsoft.com/office/drawing/2014/main" id="{AD0BD527-469E-677C-EF55-608D2402A620}"/>
               </a:ext>
             </a:extLst>
           </p:cNvPr>
@@ -2574,7 +2574,7 @@
           <p:cNvPr id="4" name="文本占位符 3">
             <a:extLst>
               <a:ext uri="{FF2B5EF4-FFF2-40B4-BE49-F238E27FC236}">
-                <a16:creationId xmlns:a16="http://schemas.microsoft.com/office/drawing/2014/main" id="{EE6C1822-763B-917C-492D-C7B76B48C540}"/>
+                <a16:creationId xmlns:a16="http://schemas.microsoft.com/office/drawing/2014/main" id="{54832E3B-3FDF-DDC6-C74C-CB94F23FA44D}"/>
               </a:ext>
             </a:extLst>
           </p:cNvPr>
@@ -2645,7 +2645,7 @@
           <p:cNvPr id="5" name="日期占位符 4">
             <a:extLst>
               <a:ext uri="{FF2B5EF4-FFF2-40B4-BE49-F238E27FC236}">
-                <a16:creationId xmlns:a16="http://schemas.microsoft.com/office/drawing/2014/main" id="{7B70C90D-8EFE-3E86-0BD7-532B61A07054}"/>
+                <a16:creationId xmlns:a16="http://schemas.microsoft.com/office/drawing/2014/main" id="{F77F8D84-787F-B110-D3CB-8BC2BC540C7F}"/>
               </a:ext>
             </a:extLst>
           </p:cNvPr>
@@ -2661,7 +2661,7 @@
           <a:bodyPr/>
           <a:lstStyle/>
           <a:p>
-            <a:fld id="{4310DBE6-436E-4DAC-A868-95079833E7CF}" type="datetimeFigureOut">
+            <a:fld id="{4336BBA4-9B0B-411B-BB8E-7865C56069A4}" type="datetimeFigureOut">
               <a:rPr lang="zh-CN" altLang="en-US" smtClean="0"/>
               <a:t>2024/3/10</a:t>
             </a:fld>
@@ -2674,7 +2674,7 @@
           <p:cNvPr id="6" name="页脚占位符 5">
             <a:extLst>
               <a:ext uri="{FF2B5EF4-FFF2-40B4-BE49-F238E27FC236}">
-                <a16:creationId xmlns:a16="http://schemas.microsoft.com/office/drawing/2014/main" id="{A6888EF5-7919-AC62-EAF3-7D4F38DCD598}"/>
+                <a16:creationId xmlns:a16="http://schemas.microsoft.com/office/drawing/2014/main" id="{4BE41BB9-13DD-CB70-16F9-6A66B2527EEA}"/>
               </a:ext>
             </a:extLst>
           </p:cNvPr>
@@ -2699,7 +2699,7 @@
           <p:cNvPr id="7" name="灯片编号占位符 6">
             <a:extLst>
               <a:ext uri="{FF2B5EF4-FFF2-40B4-BE49-F238E27FC236}">
-                <a16:creationId xmlns:a16="http://schemas.microsoft.com/office/drawing/2014/main" id="{4DBD74FC-37C9-5A0E-7D54-A742944DE1BE}"/>
+                <a16:creationId xmlns:a16="http://schemas.microsoft.com/office/drawing/2014/main" id="{C9C49202-3966-D3D7-0BBA-E146BE4896B2}"/>
               </a:ext>
             </a:extLst>
           </p:cNvPr>
@@ -2715,7 +2715,7 @@
           <a:bodyPr/>
           <a:lstStyle/>
           <a:p>
-            <a:fld id="{9B201A70-86F5-4BB0-998F-38298BB2C082}" type="slidenum">
+            <a:fld id="{F7D88443-F192-4AFF-ABD2-AA0AB9F1439B}" type="slidenum">
               <a:rPr lang="zh-CN" altLang="en-US" smtClean="0"/>
               <a:t>‹#›</a:t>
             </a:fld>
@@ -2726,7 +2726,7 @@
     </p:spTree>
     <p:extLst>
       <p:ext uri="{BB962C8B-B14F-4D97-AF65-F5344CB8AC3E}">
-        <p14:creationId xmlns:p14="http://schemas.microsoft.com/office/powerpoint/2010/main" val="250502530"/>
+        <p14:creationId xmlns:p14="http://schemas.microsoft.com/office/powerpoint/2010/main" val="8944239"/>
       </p:ext>
     </p:extLst>
   </p:cSld>
@@ -2763,7 +2763,7 @@
           <p:cNvPr id="2" name="标题占位符 1">
             <a:extLst>
               <a:ext uri="{FF2B5EF4-FFF2-40B4-BE49-F238E27FC236}">
-                <a16:creationId xmlns:a16="http://schemas.microsoft.com/office/drawing/2014/main" id="{B5C6FC2E-1955-3437-DDA9-7687FAF68B95}"/>
+                <a16:creationId xmlns:a16="http://schemas.microsoft.com/office/drawing/2014/main" id="{A7E91153-E07A-9F17-1C99-2A90DFC69C05}"/>
               </a:ext>
             </a:extLst>
           </p:cNvPr>
@@ -2801,7 +2801,7 @@
           <p:cNvPr id="3" name="文本占位符 2">
             <a:extLst>
               <a:ext uri="{FF2B5EF4-FFF2-40B4-BE49-F238E27FC236}">
-                <a16:creationId xmlns:a16="http://schemas.microsoft.com/office/drawing/2014/main" id="{FE688E14-5173-EF4F-5AE3-CA2A176F6C9D}"/>
+                <a16:creationId xmlns:a16="http://schemas.microsoft.com/office/drawing/2014/main" id="{E4370FC2-CF11-3746-858B-8D031BB84114}"/>
               </a:ext>
             </a:extLst>
           </p:cNvPr>
@@ -2868,7 +2868,7 @@
           <p:cNvPr id="4" name="日期占位符 3">
             <a:extLst>
               <a:ext uri="{FF2B5EF4-FFF2-40B4-BE49-F238E27FC236}">
-                <a16:creationId xmlns:a16="http://schemas.microsoft.com/office/drawing/2014/main" id="{19BC7942-C54E-F417-FBFB-0BB9CDF05C38}"/>
+                <a16:creationId xmlns:a16="http://schemas.microsoft.com/office/drawing/2014/main" id="{BC6421C1-10B2-2241-6EDF-A29265FC0B8D}"/>
               </a:ext>
             </a:extLst>
           </p:cNvPr>
@@ -2902,7 +2902,7 @@
             </a:lvl1pPr>
           </a:lstStyle>
           <a:p>
-            <a:fld id="{4310DBE6-436E-4DAC-A868-95079833E7CF}" type="datetimeFigureOut">
+            <a:fld id="{4336BBA4-9B0B-411B-BB8E-7865C56069A4}" type="datetimeFigureOut">
               <a:rPr lang="zh-CN" altLang="en-US" smtClean="0"/>
               <a:t>2024/3/10</a:t>
             </a:fld>
@@ -2915,7 +2915,7 @@
           <p:cNvPr id="5" name="页脚占位符 4">
             <a:extLst>
               <a:ext uri="{FF2B5EF4-FFF2-40B4-BE49-F238E27FC236}">
-                <a16:creationId xmlns:a16="http://schemas.microsoft.com/office/drawing/2014/main" id="{C97898FA-5E5B-28E4-9A9E-B9522925DEBA}"/>
+                <a16:creationId xmlns:a16="http://schemas.microsoft.com/office/drawing/2014/main" id="{B5474A75-02B0-EE22-7BCD-B86E3E9AB7A8}"/>
               </a:ext>
             </a:extLst>
           </p:cNvPr>
@@ -2958,7 +2958,7 @@
           <p:cNvPr id="6" name="灯片编号占位符 5">
             <a:extLst>
               <a:ext uri="{FF2B5EF4-FFF2-40B4-BE49-F238E27FC236}">
-                <a16:creationId xmlns:a16="http://schemas.microsoft.com/office/drawing/2014/main" id="{E3D1D86A-EF91-7F22-1124-405B09DE2E02}"/>
+                <a16:creationId xmlns:a16="http://schemas.microsoft.com/office/drawing/2014/main" id="{7738BE58-EF6F-62AC-91B8-83E0DDB61A5D}"/>
               </a:ext>
             </a:extLst>
           </p:cNvPr>
@@ -2992,7 +2992,7 @@
             </a:lvl1pPr>
           </a:lstStyle>
           <a:p>
-            <a:fld id="{9B201A70-86F5-4BB0-998F-38298BB2C082}" type="slidenum">
+            <a:fld id="{F7D88443-F192-4AFF-ABD2-AA0AB9F1439B}" type="slidenum">
               <a:rPr lang="zh-CN" altLang="en-US" smtClean="0"/>
               <a:t>‹#›</a:t>
             </a:fld>
@@ -3003,7 +3003,7 @@
     </p:spTree>
     <p:extLst>
       <p:ext uri="{BB962C8B-B14F-4D97-AF65-F5344CB8AC3E}">
-        <p14:creationId xmlns:p14="http://schemas.microsoft.com/office/powerpoint/2010/main" val="2530870954"/>
+        <p14:creationId xmlns:p14="http://schemas.microsoft.com/office/powerpoint/2010/main" val="410359982"/>
       </p:ext>
     </p:extLst>
   </p:cSld>
@@ -3323,7 +3323,7 @@
       </p:grpSpPr>
       <p:pic>
         <p:nvPicPr>
-          <p:cNvPr id="1291266" name="Picture 2" descr="1260"/>
+          <p:cNvPr id="1292290" name="Picture 2" descr="1261"/>
           <p:cNvPicPr>
             <a:picLocks noChangeAspect="1" noChangeArrowheads="1"/>
           </p:cNvPicPr>
@@ -3344,8 +3344,8 @@
         </p:blipFill>
         <p:spPr bwMode="auto">
           <a:xfrm>
-            <a:off x="1524000" y="1"/>
-            <a:ext cx="9144000" cy="5516563"/>
+            <a:off x="1524000" y="0"/>
+            <a:ext cx="9144000" cy="6681788"/>
           </a:xfrm>
           <a:prstGeom prst="rect">
             <a:avLst/>
